--- a/styles.pptx
+++ b/styles.pptx
@@ -109,6 +109,11 @@
       </a:defRPr>
     </a:lvl9pPr>
   </p:defaultTextStyle>
+  <p:extLst>
+    <p:ext uri="{EFAFB233-063F-42B5-8137-9DF3F51BA10A}">
+      <p15:sldGuideLst xmlns:p15="http://schemas.microsoft.com/office/powerpoint/2012/main"/>
+    </p:ext>
+  </p:extLst>
 </p:presentation>
 </file>
 
@@ -261,7 +266,7 @@
           <a:p>
             <a:fld id="{A7952912-8FF2-8D49-9FDC-470898B69B4D}" type="datetimeFigureOut">
               <a:rPr lang="en-TW" smtClean="0"/>
-              <a:t>2020/10/18</a:t>
+              <a:t>2020/10/21</a:t>
             </a:fld>
             <a:endParaRPr lang="en-TW"/>
           </a:p>
@@ -461,7 +466,7 @@
           <a:p>
             <a:fld id="{A7952912-8FF2-8D49-9FDC-470898B69B4D}" type="datetimeFigureOut">
               <a:rPr lang="en-TW" smtClean="0"/>
-              <a:t>2020/10/18</a:t>
+              <a:t>2020/10/21</a:t>
             </a:fld>
             <a:endParaRPr lang="en-TW"/>
           </a:p>
@@ -671,7 +676,7 @@
           <a:p>
             <a:fld id="{A7952912-8FF2-8D49-9FDC-470898B69B4D}" type="datetimeFigureOut">
               <a:rPr lang="en-TW" smtClean="0"/>
-              <a:t>2020/10/18</a:t>
+              <a:t>2020/10/21</a:t>
             </a:fld>
             <a:endParaRPr lang="en-TW"/>
           </a:p>
@@ -871,7 +876,7 @@
           <a:p>
             <a:fld id="{A7952912-8FF2-8D49-9FDC-470898B69B4D}" type="datetimeFigureOut">
               <a:rPr lang="en-TW" smtClean="0"/>
-              <a:t>2020/10/18</a:t>
+              <a:t>2020/10/21</a:t>
             </a:fld>
             <a:endParaRPr lang="en-TW"/>
           </a:p>
@@ -1147,7 +1152,7 @@
           <a:p>
             <a:fld id="{A7952912-8FF2-8D49-9FDC-470898B69B4D}" type="datetimeFigureOut">
               <a:rPr lang="en-TW" smtClean="0"/>
-              <a:t>2020/10/18</a:t>
+              <a:t>2020/10/21</a:t>
             </a:fld>
             <a:endParaRPr lang="en-TW"/>
           </a:p>
@@ -1415,7 +1420,7 @@
           <a:p>
             <a:fld id="{A7952912-8FF2-8D49-9FDC-470898B69B4D}" type="datetimeFigureOut">
               <a:rPr lang="en-TW" smtClean="0"/>
-              <a:t>2020/10/18</a:t>
+              <a:t>2020/10/21</a:t>
             </a:fld>
             <a:endParaRPr lang="en-TW"/>
           </a:p>
@@ -1830,7 +1835,7 @@
           <a:p>
             <a:fld id="{A7952912-8FF2-8D49-9FDC-470898B69B4D}" type="datetimeFigureOut">
               <a:rPr lang="en-TW" smtClean="0"/>
-              <a:t>2020/10/18</a:t>
+              <a:t>2020/10/21</a:t>
             </a:fld>
             <a:endParaRPr lang="en-TW"/>
           </a:p>
@@ -1972,7 +1977,7 @@
           <a:p>
             <a:fld id="{A7952912-8FF2-8D49-9FDC-470898B69B4D}" type="datetimeFigureOut">
               <a:rPr lang="en-TW" smtClean="0"/>
-              <a:t>2020/10/18</a:t>
+              <a:t>2020/10/21</a:t>
             </a:fld>
             <a:endParaRPr lang="en-TW"/>
           </a:p>
@@ -2085,7 +2090,7 @@
           <a:p>
             <a:fld id="{A7952912-8FF2-8D49-9FDC-470898B69B4D}" type="datetimeFigureOut">
               <a:rPr lang="en-TW" smtClean="0"/>
-              <a:t>2020/10/18</a:t>
+              <a:t>2020/10/21</a:t>
             </a:fld>
             <a:endParaRPr lang="en-TW"/>
           </a:p>
@@ -2398,7 +2403,7 @@
           <a:p>
             <a:fld id="{A7952912-8FF2-8D49-9FDC-470898B69B4D}" type="datetimeFigureOut">
               <a:rPr lang="en-TW" smtClean="0"/>
-              <a:t>2020/10/18</a:t>
+              <a:t>2020/10/21</a:t>
             </a:fld>
             <a:endParaRPr lang="en-TW"/>
           </a:p>
@@ -2687,7 +2692,7 @@
           <a:p>
             <a:fld id="{A7952912-8FF2-8D49-9FDC-470898B69B4D}" type="datetimeFigureOut">
               <a:rPr lang="en-TW" smtClean="0"/>
-              <a:t>2020/10/18</a:t>
+              <a:t>2020/10/21</a:t>
             </a:fld>
             <a:endParaRPr lang="en-TW"/>
           </a:p>
@@ -2930,7 +2935,7 @@
           <a:p>
             <a:fld id="{A7952912-8FF2-8D49-9FDC-470898B69B4D}" type="datetimeFigureOut">
               <a:rPr lang="en-TW" smtClean="0"/>
-              <a:t>2020/10/18</a:t>
+              <a:t>2020/10/21</a:t>
             </a:fld>
             <a:endParaRPr lang="en-TW"/>
           </a:p>
@@ -3563,7 +3568,7 @@
         <p:spPr>
           <a:xfrm>
             <a:off x="9296399" y="323315"/>
-            <a:ext cx="1853015" cy="734938"/>
+            <a:ext cx="2196354" cy="622420"/>
           </a:xfrm>
           <a:prstGeom prst="roundRect">
             <a:avLst/>
@@ -3607,7 +3612,7 @@
                   <a:sysClr val="windowText" lastClr="000000"/>
                 </a:solidFill>
               </a:rPr>
-              <a:t>Choose a milder shade of red</a:t>
+              <a:t>Would choose a milder shade of red</a:t>
             </a:r>
           </a:p>
         </p:txBody>
@@ -3622,14 +3627,15 @@
             </a:extLst>
           </p:cNvPr>
           <p:cNvCxnSpPr>
+            <a:cxnSpLocks/>
             <a:stCxn id="11" idx="1"/>
           </p:cNvCxnSpPr>
           <p:nvPr/>
         </p:nvCxnSpPr>
         <p:spPr>
           <a:xfrm flipH="1">
-            <a:off x="8750893" y="690784"/>
-            <a:ext cx="545506" cy="215070"/>
+            <a:off x="8750893" y="634525"/>
+            <a:ext cx="545506" cy="271329"/>
           </a:xfrm>
           <a:prstGeom prst="straightConnector1">
             <a:avLst/>
@@ -3670,7 +3676,7 @@
         </p:nvSpPr>
         <p:spPr>
           <a:xfrm>
-            <a:off x="922946" y="1244836"/>
+            <a:off x="400313" y="1195301"/>
             <a:ext cx="2085174" cy="806131"/>
           </a:xfrm>
           <a:prstGeom prst="roundRect">
@@ -3737,8 +3743,8 @@
         </p:nvCxnSpPr>
         <p:spPr>
           <a:xfrm flipV="1">
-            <a:off x="3008120" y="1355932"/>
-            <a:ext cx="211944" cy="291970"/>
+            <a:off x="2485487" y="1375016"/>
+            <a:ext cx="876278" cy="223351"/>
           </a:xfrm>
           <a:prstGeom prst="straightConnector1">
             <a:avLst/>
@@ -3846,8 +3852,8 @@
         </p:nvCxnSpPr>
         <p:spPr>
           <a:xfrm flipH="1">
-            <a:off x="8971935" y="2213361"/>
-            <a:ext cx="545506" cy="39880"/>
+            <a:off x="8750893" y="2213361"/>
+            <a:ext cx="766548" cy="0"/>
           </a:xfrm>
           <a:prstGeom prst="straightConnector1">
             <a:avLst/>
@@ -3888,7 +3894,7 @@
         </p:nvSpPr>
         <p:spPr>
           <a:xfrm>
-            <a:off x="810426" y="2892745"/>
+            <a:off x="821544" y="2647167"/>
             <a:ext cx="2085174" cy="806131"/>
           </a:xfrm>
           <a:prstGeom prst="roundRect">
@@ -3954,9 +3960,9 @@
           <p:nvPr/>
         </p:nvCxnSpPr>
         <p:spPr>
-          <a:xfrm flipV="1">
-            <a:off x="2895600" y="3161945"/>
-            <a:ext cx="1462755" cy="133866"/>
+          <a:xfrm>
+            <a:off x="2906718" y="3050233"/>
+            <a:ext cx="1530811" cy="0"/>
           </a:xfrm>
           <a:prstGeom prst="straightConnector1">
             <a:avLst/>
@@ -4175,6 +4181,289 @@
           <a:xfrm flipV="1">
             <a:off x="2895600" y="5212913"/>
             <a:ext cx="770546" cy="267058"/>
+          </a:xfrm>
+          <a:prstGeom prst="straightConnector1">
+            <a:avLst/>
+          </a:prstGeom>
+          <a:ln>
+            <a:solidFill>
+              <a:schemeClr val="tx1"/>
+            </a:solidFill>
+            <a:tailEnd type="triangle"/>
+          </a:ln>
+        </p:spPr>
+        <p:style>
+          <a:lnRef idx="1">
+            <a:schemeClr val="accent1"/>
+          </a:lnRef>
+          <a:fillRef idx="0">
+            <a:schemeClr val="accent1"/>
+          </a:fillRef>
+          <a:effectRef idx="0">
+            <a:schemeClr val="accent1"/>
+          </a:effectRef>
+          <a:fontRef idx="minor">
+            <a:schemeClr val="tx1"/>
+          </a:fontRef>
+        </p:style>
+      </p:cxnSp>
+      <p:sp>
+        <p:nvSpPr>
+          <p:cNvPr id="25" name="Rounded Rectangle 24">
+            <a:extLst>
+              <a:ext uri="{FF2B5EF4-FFF2-40B4-BE49-F238E27FC236}">
+                <a16:creationId xmlns:a16="http://schemas.microsoft.com/office/drawing/2014/main" id="{1E102ECB-090F-C245-9BB2-DC84C673AF50}"/>
+              </a:ext>
+            </a:extLst>
+          </p:cNvPr>
+          <p:cNvSpPr/>
+          <p:nvPr/>
+        </p:nvSpPr>
+        <p:spPr>
+          <a:xfrm>
+            <a:off x="821544" y="3935713"/>
+            <a:ext cx="2085174" cy="806131"/>
+          </a:xfrm>
+          <a:prstGeom prst="roundRect">
+            <a:avLst/>
+          </a:prstGeom>
+          <a:solidFill>
+            <a:srgbClr val="EDEBEB"/>
+          </a:solidFill>
+          <a:ln w="19050">
+            <a:solidFill>
+              <a:schemeClr val="tx1"/>
+            </a:solidFill>
+          </a:ln>
+        </p:spPr>
+        <p:style>
+          <a:lnRef idx="2">
+            <a:schemeClr val="accent1">
+              <a:shade val="50000"/>
+            </a:schemeClr>
+          </a:lnRef>
+          <a:fillRef idx="1">
+            <a:schemeClr val="accent1"/>
+          </a:fillRef>
+          <a:effectRef idx="0">
+            <a:schemeClr val="accent1"/>
+          </a:effectRef>
+          <a:fontRef idx="minor">
+            <a:schemeClr val="lt1"/>
+          </a:fontRef>
+        </p:style>
+        <p:txBody>
+          <a:bodyPr rtlCol="0" anchor="ctr"/>
+          <a:lstStyle/>
+          <a:p>
+            <a:pPr algn="ctr"/>
+            <a:r>
+              <a:rPr lang="en-TW" sz="1400" dirty="0">
+                <a:ln w="12700">
+                  <a:noFill/>
+                </a:ln>
+                <a:solidFill>
+                  <a:sysClr val="windowText" lastClr="000000"/>
+                </a:solidFill>
+              </a:rPr>
+              <a:t>Uses icons for better understanding/usability</a:t>
+            </a:r>
+          </a:p>
+        </p:txBody>
+      </p:sp>
+      <p:cxnSp>
+        <p:nvCxnSpPr>
+          <p:cNvPr id="26" name="Straight Arrow Connector 25">
+            <a:extLst>
+              <a:ext uri="{FF2B5EF4-FFF2-40B4-BE49-F238E27FC236}">
+                <a16:creationId xmlns:a16="http://schemas.microsoft.com/office/drawing/2014/main" id="{9335DDFA-E98E-8040-A282-B93F28AB10CB}"/>
+              </a:ext>
+            </a:extLst>
+          </p:cNvPr>
+          <p:cNvCxnSpPr>
+            <a:cxnSpLocks/>
+            <a:stCxn id="25" idx="3"/>
+          </p:cNvCxnSpPr>
+          <p:nvPr/>
+        </p:nvCxnSpPr>
+        <p:spPr>
+          <a:xfrm flipV="1">
+            <a:off x="2906718" y="3913975"/>
+            <a:ext cx="2487378" cy="424804"/>
+          </a:xfrm>
+          <a:prstGeom prst="straightConnector1">
+            <a:avLst/>
+          </a:prstGeom>
+          <a:ln>
+            <a:solidFill>
+              <a:schemeClr val="tx1"/>
+            </a:solidFill>
+            <a:tailEnd type="triangle"/>
+          </a:ln>
+        </p:spPr>
+        <p:style>
+          <a:lnRef idx="1">
+            <a:schemeClr val="accent1"/>
+          </a:lnRef>
+          <a:fillRef idx="0">
+            <a:schemeClr val="accent1"/>
+          </a:fillRef>
+          <a:effectRef idx="0">
+            <a:schemeClr val="accent1"/>
+          </a:effectRef>
+          <a:fontRef idx="minor">
+            <a:schemeClr val="tx1"/>
+          </a:fontRef>
+        </p:style>
+      </p:cxnSp>
+      <p:sp>
+        <p:nvSpPr>
+          <p:cNvPr id="32" name="Rounded Rectangle 31">
+            <a:extLst>
+              <a:ext uri="{FF2B5EF4-FFF2-40B4-BE49-F238E27FC236}">
+                <a16:creationId xmlns:a16="http://schemas.microsoft.com/office/drawing/2014/main" id="{F6CB6D41-5040-E943-95E3-E4088EEBB714}"/>
+              </a:ext>
+            </a:extLst>
+          </p:cNvPr>
+          <p:cNvSpPr/>
+          <p:nvPr/>
+        </p:nvSpPr>
+        <p:spPr>
+          <a:xfrm>
+            <a:off x="9528559" y="4988744"/>
+            <a:ext cx="2448288" cy="1295515"/>
+          </a:xfrm>
+          <a:prstGeom prst="roundRect">
+            <a:avLst/>
+          </a:prstGeom>
+          <a:solidFill>
+            <a:srgbClr val="EDEBEB"/>
+          </a:solidFill>
+          <a:ln w="19050">
+            <a:solidFill>
+              <a:schemeClr val="tx1"/>
+            </a:solidFill>
+          </a:ln>
+        </p:spPr>
+        <p:style>
+          <a:lnRef idx="2">
+            <a:schemeClr val="accent1">
+              <a:shade val="50000"/>
+            </a:schemeClr>
+          </a:lnRef>
+          <a:fillRef idx="1">
+            <a:schemeClr val="accent1"/>
+          </a:fillRef>
+          <a:effectRef idx="0">
+            <a:schemeClr val="accent1"/>
+          </a:effectRef>
+          <a:fontRef idx="minor">
+            <a:schemeClr val="lt1"/>
+          </a:fontRef>
+        </p:style>
+        <p:txBody>
+          <a:bodyPr rtlCol="0" anchor="ctr"/>
+          <a:lstStyle/>
+          <a:p>
+            <a:pPr algn="ctr"/>
+            <a:r>
+              <a:rPr lang="en-TW" dirty="0">
+                <a:ln w="12700">
+                  <a:noFill/>
+                </a:ln>
+                <a:solidFill>
+                  <a:sysClr val="windowText" lastClr="000000"/>
+                </a:solidFill>
+              </a:rPr>
+              <a:t>Groups functions by category </a:t>
+            </a:r>
+            <a:br>
+              <a:rPr lang="en-TW" dirty="0">
+                <a:ln w="12700">
+                  <a:noFill/>
+                </a:ln>
+                <a:solidFill>
+                  <a:sysClr val="windowText" lastClr="000000"/>
+                </a:solidFill>
+              </a:rPr>
+            </a:br>
+            <a:r>
+              <a:rPr lang="en-TW" dirty="0">
+                <a:ln w="12700">
+                  <a:noFill/>
+                </a:ln>
+                <a:solidFill>
+                  <a:sysClr val="windowText" lastClr="000000"/>
+                </a:solidFill>
+              </a:rPr>
+              <a:t>(e.g. popularity, featured, etc)</a:t>
+            </a:r>
+          </a:p>
+        </p:txBody>
+      </p:sp>
+      <p:cxnSp>
+        <p:nvCxnSpPr>
+          <p:cNvPr id="35" name="Straight Arrow Connector 34">
+            <a:extLst>
+              <a:ext uri="{FF2B5EF4-FFF2-40B4-BE49-F238E27FC236}">
+                <a16:creationId xmlns:a16="http://schemas.microsoft.com/office/drawing/2014/main" id="{7096360F-8BB5-604B-B4E0-0A9D24D2C6A0}"/>
+              </a:ext>
+            </a:extLst>
+          </p:cNvPr>
+          <p:cNvCxnSpPr>
+            <a:cxnSpLocks/>
+            <a:stCxn id="32" idx="1"/>
+          </p:cNvCxnSpPr>
+          <p:nvPr/>
+        </p:nvCxnSpPr>
+        <p:spPr>
+          <a:xfrm flipH="1" flipV="1">
+            <a:off x="8750893" y="4174624"/>
+            <a:ext cx="777666" cy="1461878"/>
+          </a:xfrm>
+          <a:prstGeom prst="straightConnector1">
+            <a:avLst/>
+          </a:prstGeom>
+          <a:ln>
+            <a:solidFill>
+              <a:schemeClr val="tx1"/>
+            </a:solidFill>
+            <a:tailEnd type="triangle"/>
+          </a:ln>
+        </p:spPr>
+        <p:style>
+          <a:lnRef idx="1">
+            <a:schemeClr val="accent1"/>
+          </a:lnRef>
+          <a:fillRef idx="0">
+            <a:schemeClr val="accent1"/>
+          </a:fillRef>
+          <a:effectRef idx="0">
+            <a:schemeClr val="accent1"/>
+          </a:effectRef>
+          <a:fontRef idx="minor">
+            <a:schemeClr val="tx1"/>
+          </a:fontRef>
+        </p:style>
+      </p:cxnSp>
+      <p:cxnSp>
+        <p:nvCxnSpPr>
+          <p:cNvPr id="37" name="Straight Arrow Connector 36">
+            <a:extLst>
+              <a:ext uri="{FF2B5EF4-FFF2-40B4-BE49-F238E27FC236}">
+                <a16:creationId xmlns:a16="http://schemas.microsoft.com/office/drawing/2014/main" id="{0B3149BD-0ED9-494F-9D46-FEDDCA8F4B48}"/>
+              </a:ext>
+            </a:extLst>
+          </p:cNvPr>
+          <p:cNvCxnSpPr>
+            <a:cxnSpLocks/>
+          </p:cNvCxnSpPr>
+          <p:nvPr/>
+        </p:nvCxnSpPr>
+        <p:spPr>
+          <a:xfrm flipH="1" flipV="1">
+            <a:off x="7225553" y="4563179"/>
+            <a:ext cx="2289734" cy="1073322"/>
           </a:xfrm>
           <a:prstGeom prst="straightConnector1">
             <a:avLst/>
@@ -4483,7 +4772,7 @@
                   <a:sysClr val="windowText" lastClr="000000"/>
                 </a:solidFill>
               </a:rPr>
-              <a:t>Moves section title from side to top for better viewability on tablets</a:t>
+              <a:t>Moves section title from side to top for better view on tablets</a:t>
             </a:r>
           </a:p>
         </p:txBody>
@@ -4594,6 +4883,28 @@
               </a:rPr>
               <a:t>Changes cards from a horizontal to vertical layout</a:t>
             </a:r>
+          </a:p>
+          <a:p>
+            <a:pPr algn="ctr"/>
+            <a:r>
+              <a:rPr lang="en-US" sz="1400" dirty="0">
+                <a:ln w="12700">
+                  <a:noFill/>
+                </a:ln>
+                <a:solidFill>
+                  <a:sysClr val="windowText" lastClr="000000"/>
+                </a:solidFill>
+              </a:rPr>
+              <a:t>for better view on tablets</a:t>
+            </a:r>
+            <a:endParaRPr lang="en-TW" sz="1400" dirty="0">
+              <a:ln w="12700">
+                <a:noFill/>
+              </a:ln>
+              <a:solidFill>
+                <a:sysClr val="windowText" lastClr="000000"/>
+              </a:solidFill>
+            </a:endParaRPr>
           </a:p>
         </p:txBody>
       </p:sp>
@@ -4814,8 +5125,8 @@
         </p:nvSpPr>
         <p:spPr>
           <a:xfrm>
-            <a:off x="2816385" y="348932"/>
-            <a:ext cx="1666430" cy="734938"/>
+            <a:off x="2017059" y="152400"/>
+            <a:ext cx="2465756" cy="931470"/>
           </a:xfrm>
           <a:prstGeom prst="roundRect">
             <a:avLst/>
@@ -4859,8 +5170,27 @@
                   <a:sysClr val="windowText" lastClr="000000"/>
                 </a:solidFill>
               </a:rPr>
-              <a:t>Shrinks text into one blurb</a:t>
-            </a:r>
+              <a:t>Shrinks text into one blurb </a:t>
+            </a:r>
+            <a:r>
+              <a:rPr lang="en-US" dirty="0">
+                <a:ln w="12700">
+                  <a:noFill/>
+                </a:ln>
+                <a:solidFill>
+                  <a:sysClr val="windowText" lastClr="000000"/>
+                </a:solidFill>
+              </a:rPr>
+              <a:t>for better view on phones</a:t>
+            </a:r>
+            <a:endParaRPr lang="en-TW" dirty="0">
+              <a:ln w="12700">
+                <a:noFill/>
+              </a:ln>
+              <a:solidFill>
+                <a:sysClr val="windowText" lastClr="000000"/>
+              </a:solidFill>
+            </a:endParaRPr>
           </a:p>
         </p:txBody>
       </p:sp>
@@ -4881,8 +5211,8 @@
         </p:nvCxnSpPr>
         <p:spPr>
           <a:xfrm>
-            <a:off x="4482815" y="716401"/>
-            <a:ext cx="783579" cy="137462"/>
+            <a:off x="4482815" y="618135"/>
+            <a:ext cx="783579" cy="235728"/>
           </a:xfrm>
           <a:prstGeom prst="straightConnector1">
             <a:avLst/>
@@ -5250,8 +5580,8 @@
         </p:nvSpPr>
         <p:spPr>
           <a:xfrm>
-            <a:off x="7674920" y="5028779"/>
-            <a:ext cx="1928731" cy="540123"/>
+            <a:off x="7674920" y="4758585"/>
+            <a:ext cx="2168327" cy="810317"/>
           </a:xfrm>
           <a:prstGeom prst="roundRect">
             <a:avLst/>
@@ -5295,7 +5625,7 @@
                   <a:sysClr val="windowText" lastClr="000000"/>
                 </a:solidFill>
               </a:rPr>
-              <a:t>Inherits vertical layout from tablet view</a:t>
+              <a:t>Inherits vertical layout from tablet view, but with text underneath image</a:t>
             </a:r>
           </a:p>
         </p:txBody>
@@ -5517,7 +5847,28 @@
                   <a:sysClr val="windowText" lastClr="000000"/>
                 </a:solidFill>
               </a:rPr>
-              <a:t>Banner with slight shadowing to grab attention</a:t>
+              <a:t>Banner with slight shadowing to grab attention, makes it </a:t>
+            </a:r>
+            <a:br>
+              <a:rPr lang="en-TW" sz="1400" dirty="0">
+                <a:ln w="12700">
+                  <a:noFill/>
+                </a:ln>
+                <a:solidFill>
+                  <a:sysClr val="windowText" lastClr="000000"/>
+                </a:solidFill>
+              </a:rPr>
+            </a:br>
+            <a:r>
+              <a:rPr lang="en-TW" sz="1400" dirty="0">
+                <a:ln w="12700">
+                  <a:noFill/>
+                </a:ln>
+                <a:solidFill>
+                  <a:sysClr val="windowText" lastClr="000000"/>
+                </a:solidFill>
+              </a:rPr>
+              <a:t>”stand out”</a:t>
             </a:r>
           </a:p>
         </p:txBody>
@@ -5580,7 +5931,7 @@
         </p:nvSpPr>
         <p:spPr>
           <a:xfrm>
-            <a:off x="9296399" y="323315"/>
+            <a:off x="9022762" y="143862"/>
             <a:ext cx="1853015" cy="734938"/>
           </a:xfrm>
           <a:prstGeom prst="roundRect">
@@ -5640,14 +5991,15 @@
             </a:extLst>
           </p:cNvPr>
           <p:cNvCxnSpPr>
+            <a:cxnSpLocks/>
             <a:stCxn id="11" idx="1"/>
           </p:cNvCxnSpPr>
           <p:nvPr/>
         </p:nvCxnSpPr>
         <p:spPr>
-          <a:xfrm flipH="1">
-            <a:off x="8750893" y="690784"/>
-            <a:ext cx="545506" cy="215070"/>
+          <a:xfrm flipH="1" flipV="1">
+            <a:off x="8393585" y="177800"/>
+            <a:ext cx="629177" cy="333531"/>
           </a:xfrm>
           <a:prstGeom prst="straightConnector1">
             <a:avLst/>
@@ -5917,8 +6269,8 @@
         </p:nvSpPr>
         <p:spPr>
           <a:xfrm>
-            <a:off x="8962837" y="3062961"/>
-            <a:ext cx="1965513" cy="635916"/>
+            <a:off x="8962837" y="3062960"/>
+            <a:ext cx="2234081" cy="734937"/>
           </a:xfrm>
           <a:prstGeom prst="roundRect">
             <a:avLst/>
@@ -5973,7 +6325,7 @@
                   <a:sysClr val="windowText" lastClr="000000"/>
                 </a:solidFill>
               </a:rPr>
-              <a:t>ses row to contain columns of icon + text</a:t>
+              <a:t>ses row to contain columns of icon + text that adapts responsively</a:t>
             </a:r>
           </a:p>
         </p:txBody>
@@ -5996,7 +6348,7 @@
         <p:spPr>
           <a:xfrm flipH="1" flipV="1">
             <a:off x="8235951" y="3098525"/>
-            <a:ext cx="726886" cy="282394"/>
+            <a:ext cx="726886" cy="331904"/>
           </a:xfrm>
           <a:prstGeom prst="straightConnector1">
             <a:avLst/>
@@ -6855,7 +7207,7 @@
         <p:spPr>
           <a:xfrm>
             <a:off x="2754167" y="5801267"/>
-            <a:ext cx="1915232" cy="546019"/>
+            <a:ext cx="1915232" cy="644357"/>
           </a:xfrm>
           <a:prstGeom prst="roundRect">
             <a:avLst/>
@@ -6899,7 +7251,7 @@
                   <a:sysClr val="windowText" lastClr="000000"/>
                 </a:solidFill>
               </a:rPr>
-              <a:t>Moves image of seal under text</a:t>
+              <a:t>Moves image of seal from beside to under text</a:t>
             </a:r>
           </a:p>
         </p:txBody>
@@ -6921,8 +7273,8 @@
         </p:nvCxnSpPr>
         <p:spPr>
           <a:xfrm>
-            <a:off x="4669399" y="6074277"/>
-            <a:ext cx="930985" cy="617934"/>
+            <a:off x="4669399" y="6123446"/>
+            <a:ext cx="930985" cy="568765"/>
           </a:xfrm>
           <a:prstGeom prst="straightConnector1">
             <a:avLst/>
@@ -7073,7 +7425,7 @@
         <p:spPr>
           <a:xfrm>
             <a:off x="7429512" y="3593679"/>
-            <a:ext cx="2192980" cy="810318"/>
+            <a:ext cx="2297194" cy="810318"/>
           </a:xfrm>
           <a:prstGeom prst="roundRect">
             <a:avLst/>
